--- a/outputs/figures/suppmat_figures/04_figureS2.pptx
+++ b/outputs/figures/suppmat_figures/04_figureS2.pptx
@@ -3085,7 +3085,7 @@
               <p:spPr>
                 <a:xfrm>
                   <a:off x="-385586" y="-13063"/>
-                  <a:ext cx="13644386" cy="6635931"/>
+                  <a:ext cx="13644386" cy="6724504"/>
                 </a:xfrm>
                 <a:prstGeom prst="rect">
                   <a:avLst/>
